--- a/Eksperimentalni_Rad_Vidas_Jeric.pptx
+++ b/Eksperimentalni_Rad_Vidas_Jeric.pptx
@@ -5,10 +5,10 @@
     <p:sldMasterId id="2147483648" r:id="rId4"/>
   </p:sldMasterIdLst>
   <p:notesMasterIdLst>
-    <p:notesMasterId r:id="rId16"/>
+    <p:notesMasterId r:id="rId15"/>
   </p:notesMasterIdLst>
   <p:handoutMasterIdLst>
-    <p:handoutMasterId r:id="rId17"/>
+    <p:handoutMasterId r:id="rId16"/>
   </p:handoutMasterIdLst>
   <p:sldIdLst>
     <p:sldId id="256" r:id="rId5"/>
@@ -16,12 +16,11 @@
     <p:sldId id="258" r:id="rId7"/>
     <p:sldId id="265" r:id="rId8"/>
     <p:sldId id="259" r:id="rId9"/>
-    <p:sldId id="260" r:id="rId10"/>
-    <p:sldId id="261" r:id="rId11"/>
-    <p:sldId id="262" r:id="rId12"/>
-    <p:sldId id="263" r:id="rId13"/>
-    <p:sldId id="264" r:id="rId14"/>
-    <p:sldId id="266" r:id="rId15"/>
+    <p:sldId id="267" r:id="rId10"/>
+    <p:sldId id="260" r:id="rId11"/>
+    <p:sldId id="261" r:id="rId12"/>
+    <p:sldId id="262" r:id="rId13"/>
+    <p:sldId id="266" r:id="rId14"/>
   </p:sldIdLst>
   <p:sldSz cx="12192000" cy="6858000"/>
   <p:notesSz cx="6858000" cy="9144000"/>
@@ -215,7 +214,7 @@
             <a:pPr rtl="0"/>
             <a:fld id="{6CFE3A5D-8F31-4C68-89BF-A58F2E8B6E9B}" type="datetime1">
               <a:rPr lang="hr-HR" smtClean="0"/>
-              <a:t>9.12.2024.</a:t>
+              <a:t>10.12.2024.</a:t>
             </a:fld>
             <a:endParaRPr lang="hr-HR" dirty="0"/>
           </a:p>
@@ -384,7 +383,7 @@
             <a:fld id="{ED74EA6C-CA5D-4668-9E40-997102B98D8B}" type="datetime1">
               <a:rPr lang="hr-HR" smtClean="0"/>
               <a:pPr/>
-              <a:t>9.12.2024.</a:t>
+              <a:t>10.12.2024.</a:t>
             </a:fld>
             <a:endParaRPr lang="hr-HR" dirty="0"/>
           </a:p>
@@ -9536,7 +9535,7 @@
             <a:pPr rtl="0"/>
             <a:fld id="{263AC055-2B09-4B83-A397-FF0DA2296F0D}" type="datetime1">
               <a:rPr lang="hr-HR" noProof="0" smtClean="0"/>
-              <a:t>9.12.2024.</a:t>
+              <a:t>10.12.2024.</a:t>
             </a:fld>
             <a:endParaRPr lang="hr-HR" noProof="0" dirty="0"/>
           </a:p>
@@ -9742,7 +9741,7 @@
             <a:pPr rtl="0"/>
             <a:fld id="{952BB8EF-36F3-4473-94EF-406681013CB7}" type="datetime1">
               <a:rPr lang="hr-HR" noProof="0" smtClean="0"/>
-              <a:t>9.12.2024.</a:t>
+              <a:t>10.12.2024.</a:t>
             </a:fld>
             <a:endParaRPr lang="hr-HR" noProof="0" dirty="0"/>
           </a:p>
@@ -9921,7 +9920,7 @@
             <a:pPr rtl="0"/>
             <a:fld id="{E3AE5EC3-A586-4111-82D8-1F58BE9FED09}" type="datetime1">
               <a:rPr lang="hr-HR" noProof="0" smtClean="0"/>
-              <a:t>9.12.2024.</a:t>
+              <a:t>10.12.2024.</a:t>
             </a:fld>
             <a:endParaRPr lang="hr-HR" noProof="0" dirty="0"/>
           </a:p>
@@ -10125,7 +10124,7 @@
             <a:pPr rtl="0"/>
             <a:fld id="{57AE5957-C949-415F-A965-BEF6AC7C31C3}" type="datetime1">
               <a:rPr lang="hr-HR" noProof="0" smtClean="0"/>
-              <a:t>9.12.2024.</a:t>
+              <a:t>10.12.2024.</a:t>
             </a:fld>
             <a:endParaRPr lang="hr-HR" noProof="0" dirty="0"/>
           </a:p>
@@ -19022,7 +19021,7 @@
             <a:pPr rtl="0"/>
             <a:fld id="{0026F435-9155-46F1-AC16-3B878699BBC5}" type="datetime1">
               <a:rPr lang="hr-HR" noProof="0" smtClean="0"/>
-              <a:t>9.12.2024.</a:t>
+              <a:t>10.12.2024.</a:t>
             </a:fld>
             <a:endParaRPr lang="hr-HR" noProof="0" dirty="0"/>
           </a:p>
@@ -19295,7 +19294,7 @@
             <a:pPr rtl="0"/>
             <a:fld id="{A3A372FD-E6A5-4B24-A068-9D6BC98B6638}" type="datetime1">
               <a:rPr lang="hr-HR" noProof="0" smtClean="0"/>
-              <a:t>9.12.2024.</a:t>
+              <a:t>10.12.2024.</a:t>
             </a:fld>
             <a:endParaRPr lang="hr-HR" noProof="0" dirty="0"/>
           </a:p>
@@ -19692,7 +19691,7 @@
             <a:pPr rtl="0"/>
             <a:fld id="{54219BB1-4077-49B6-A070-B39F8790B4B7}" type="datetime1">
               <a:rPr lang="hr-HR" noProof="0" smtClean="0"/>
-              <a:t>9.12.2024.</a:t>
+              <a:t>10.12.2024.</a:t>
             </a:fld>
             <a:endParaRPr lang="hr-HR" noProof="0" dirty="0"/>
           </a:p>
@@ -19809,7 +19808,7 @@
             <a:pPr rtl="0"/>
             <a:fld id="{5B2F7990-2E9B-4592-A8B7-175111B49CB6}" type="datetime1">
               <a:rPr lang="hr-HR" noProof="0" smtClean="0"/>
-              <a:t>9.12.2024.</a:t>
+              <a:t>10.12.2024.</a:t>
             </a:fld>
             <a:endParaRPr lang="hr-HR" noProof="0" dirty="0"/>
           </a:p>
@@ -19902,7 +19901,7 @@
             <a:pPr rtl="0"/>
             <a:fld id="{91516268-4B01-4B38-8B5C-0FBBC228866D}" type="datetime1">
               <a:rPr lang="hr-HR" noProof="0" smtClean="0"/>
-              <a:t>9.12.2024.</a:t>
+              <a:t>10.12.2024.</a:t>
             </a:fld>
             <a:endParaRPr lang="hr-HR" noProof="0" dirty="0"/>
           </a:p>
@@ -20191,7 +20190,7 @@
             <a:pPr rtl="0"/>
             <a:fld id="{6ADB084B-4086-474B-BFD9-8902819CFB5B}" type="datetime1">
               <a:rPr lang="hr-HR" noProof="0" smtClean="0"/>
-              <a:t>9.12.2024.</a:t>
+              <a:t>10.12.2024.</a:t>
             </a:fld>
             <a:endParaRPr lang="hr-HR" noProof="0" dirty="0"/>
           </a:p>
@@ -20471,7 +20470,7 @@
             <a:pPr rtl="0"/>
             <a:fld id="{42B3AD92-60BB-4BAC-B610-334F433282FD}" type="datetime1">
               <a:rPr lang="hr-HR" noProof="0" smtClean="0"/>
-              <a:t>9.12.2024.</a:t>
+              <a:t>10.12.2024.</a:t>
             </a:fld>
             <a:endParaRPr lang="hr-HR" noProof="0" dirty="0"/>
           </a:p>
@@ -20718,7 +20717,7 @@
             <a:pPr rtl="0"/>
             <a:fld id="{C281E204-67F0-4952-AE10-EAEA5ED5ACC5}" type="datetime1">
               <a:rPr lang="hr-HR" noProof="0" smtClean="0"/>
-              <a:t>9.12.2024.</a:t>
+              <a:t>10.12.2024.</a:t>
             </a:fld>
             <a:endParaRPr lang="hr-HR" noProof="0" dirty="0"/>
           </a:p>
@@ -21535,109 +21534,6 @@
   <p:cSld>
     <p:spTree>
       <p:nvGrpSpPr>
-        <p:cNvPr id="1" name="">
-          <a:extLst>
-            <a:ext uri="{FF2B5EF4-FFF2-40B4-BE49-F238E27FC236}">
-              <a16:creationId xmlns:a16="http://schemas.microsoft.com/office/drawing/2014/main" id="{226EBB8D-E63F-0F5B-47D5-45BFB635FEEC}"/>
-            </a:ext>
-          </a:extLst>
-        </p:cNvPr>
-        <p:cNvGrpSpPr/>
-        <p:nvPr/>
-      </p:nvGrpSpPr>
-      <p:grpSpPr>
-        <a:xfrm>
-          <a:off x="0" y="0"/>
-          <a:ext cx="0" cy="0"/>
-          <a:chOff x="0" y="0"/>
-          <a:chExt cx="0" cy="0"/>
-        </a:xfrm>
-      </p:grpSpPr>
-      <p:sp>
-        <p:nvSpPr>
-          <p:cNvPr id="2" name="Naslov 1">
-            <a:extLst>
-              <a:ext uri="{FF2B5EF4-FFF2-40B4-BE49-F238E27FC236}">
-                <a16:creationId xmlns:a16="http://schemas.microsoft.com/office/drawing/2014/main" id="{C9C393B4-CA82-B44C-6040-FF211765B5C2}"/>
-              </a:ext>
-            </a:extLst>
-          </p:cNvPr>
-          <p:cNvSpPr>
-            <a:spLocks noGrp="1"/>
-          </p:cNvSpPr>
-          <p:nvPr>
-            <p:ph type="title"/>
-          </p:nvPr>
-        </p:nvSpPr>
-        <p:spPr/>
-        <p:txBody>
-          <a:bodyPr/>
-          <a:lstStyle/>
-          <a:p>
-            <a:r>
-              <a:rPr lang="hr-HR" dirty="0"/>
-              <a:t>Rezultati – model 3</a:t>
-            </a:r>
-          </a:p>
-        </p:txBody>
-      </p:sp>
-      <p:pic>
-        <p:nvPicPr>
-          <p:cNvPr id="4" name="Slika 3">
-            <a:extLst>
-              <a:ext uri="{FF2B5EF4-FFF2-40B4-BE49-F238E27FC236}">
-                <a16:creationId xmlns:a16="http://schemas.microsoft.com/office/drawing/2014/main" id="{7EC56755-1591-C772-1E13-7FA5AE18F0E5}"/>
-              </a:ext>
-            </a:extLst>
-          </p:cNvPr>
-          <p:cNvPicPr>
-            <a:picLocks noChangeAspect="1"/>
-          </p:cNvPicPr>
-          <p:nvPr/>
-        </p:nvPicPr>
-        <p:blipFill>
-          <a:blip r:embed="rId2">
-            <a:extLst>
-              <a:ext uri="{28A0092B-C50C-407E-A947-70E740481C1C}">
-                <a14:useLocalDpi xmlns:a14="http://schemas.microsoft.com/office/drawing/2010/main" val="0"/>
-              </a:ext>
-            </a:extLst>
-          </a:blip>
-          <a:stretch>
-            <a:fillRect/>
-          </a:stretch>
-        </p:blipFill>
-        <p:spPr>
-          <a:xfrm>
-            <a:off x="1577971" y="2325314"/>
-            <a:ext cx="9036058" cy="2207372"/>
-          </a:xfrm>
-          <a:prstGeom prst="rect">
-            <a:avLst/>
-          </a:prstGeom>
-        </p:spPr>
-      </p:pic>
-    </p:spTree>
-    <p:extLst>
-      <p:ext uri="{BB962C8B-B14F-4D97-AF65-F5344CB8AC3E}">
-        <p14:creationId xmlns:p14="http://schemas.microsoft.com/office/powerpoint/2010/main" val="3411160006"/>
-      </p:ext>
-    </p:extLst>
-  </p:cSld>
-  <p:clrMapOvr>
-    <a:masterClrMapping/>
-  </p:clrMapOvr>
-  <p:transition spd="slow">
-    <p:push dir="u"/>
-  </p:transition>
-</p:sld>
-</file>
-
-<file path=ppt/slides/slide11.xml><?xml version="1.0" encoding="utf-8"?>
-<p:sld xmlns:a="http://schemas.openxmlformats.org/drawingml/2006/main" xmlns:r="http://schemas.openxmlformats.org/officeDocument/2006/relationships" xmlns:p="http://schemas.openxmlformats.org/presentationml/2006/main">
-  <p:cSld>
-    <p:spTree>
-      <p:nvGrpSpPr>
         <p:cNvPr id="1" name=""/>
         <p:cNvGrpSpPr/>
         <p:nvPr/>
@@ -21910,6 +21806,13 @@
             <a:endParaRPr lang="hr-HR" dirty="0"/>
           </a:p>
           <a:p>
+            <a:pPr lvl="2"/>
+            <a:r>
+              <a:rPr lang="hr-HR" dirty="0"/>
+              <a:t>Split na: X_train, X_test, Y_train, Y_test -&gt; 3113:1000</a:t>
+            </a:r>
+          </a:p>
+          <a:p>
             <a:pPr marL="128016" lvl="1" indent="0">
               <a:buNone/>
             </a:pPr>
@@ -22097,7 +22000,9 @@
         </p:nvSpPr>
         <p:spPr/>
         <p:txBody>
-          <a:bodyPr/>
+          <a:bodyPr>
+            <a:normAutofit fontScale="92500" lnSpcReduction="10000"/>
+          </a:bodyPr>
           <a:lstStyle/>
           <a:p>
             <a:r>
@@ -22156,6 +22061,38 @@
             </a:pPr>
             <a:endParaRPr lang="hr-HR" dirty="0"/>
           </a:p>
+          <a:p>
+            <a:r>
+              <a:rPr lang="hr-HR" dirty="0"/>
+              <a:t>SimpleCNN_v4</a:t>
+            </a:r>
+          </a:p>
+          <a:p>
+            <a:pPr lvl="1"/>
+            <a:r>
+              <a:rPr lang="hr-HR" dirty="0"/>
+              <a:t>Tri konvolucijska sloja (32, 64 i 128 filtera)</a:t>
+            </a:r>
+          </a:p>
+          <a:p>
+            <a:pPr lvl="1"/>
+            <a:r>
+              <a:rPr lang="hr-HR" dirty="0"/>
+              <a:t>Dropout sloj -&gt; 30%</a:t>
+            </a:r>
+          </a:p>
+          <a:p>
+            <a:pPr marL="128016" lvl="1" indent="0">
+              <a:buNone/>
+            </a:pPr>
+            <a:endParaRPr lang="hr-HR" dirty="0"/>
+          </a:p>
+          <a:p>
+            <a:pPr marL="128016" lvl="1" indent="0">
+              <a:buNone/>
+            </a:pPr>
+            <a:endParaRPr lang="hr-HR" dirty="0"/>
+          </a:p>
         </p:txBody>
       </p:sp>
     </p:spTree>
@@ -22175,6 +22112,103 @@
 </file>
 
 <file path=ppt/slides/slide6.xml><?xml version="1.0" encoding="utf-8"?>
+<p:sld xmlns:a="http://schemas.openxmlformats.org/drawingml/2006/main" xmlns:r="http://schemas.openxmlformats.org/officeDocument/2006/relationships" xmlns:p="http://schemas.openxmlformats.org/presentationml/2006/main">
+  <p:cSld>
+    <p:spTree>
+      <p:nvGrpSpPr>
+        <p:cNvPr id="1" name="">
+          <a:extLst>
+            <a:ext uri="{FF2B5EF4-FFF2-40B4-BE49-F238E27FC236}">
+              <a16:creationId xmlns:a16="http://schemas.microsoft.com/office/drawing/2014/main" id="{65F41B05-0663-E992-D9EF-D31008918A51}"/>
+            </a:ext>
+          </a:extLst>
+        </p:cNvPr>
+        <p:cNvGrpSpPr/>
+        <p:nvPr/>
+      </p:nvGrpSpPr>
+      <p:grpSpPr>
+        <a:xfrm>
+          <a:off x="0" y="0"/>
+          <a:ext cx="0" cy="0"/>
+          <a:chOff x="0" y="0"/>
+          <a:chExt cx="0" cy="0"/>
+        </a:xfrm>
+      </p:grpSpPr>
+      <p:sp>
+        <p:nvSpPr>
+          <p:cNvPr id="2" name="Naslov 1">
+            <a:extLst>
+              <a:ext uri="{FF2B5EF4-FFF2-40B4-BE49-F238E27FC236}">
+                <a16:creationId xmlns:a16="http://schemas.microsoft.com/office/drawing/2014/main" id="{AC166328-959F-443F-2DB6-B39FD0C453AC}"/>
+              </a:ext>
+            </a:extLst>
+          </p:cNvPr>
+          <p:cNvSpPr>
+            <a:spLocks noGrp="1"/>
+          </p:cNvSpPr>
+          <p:nvPr>
+            <p:ph type="title"/>
+          </p:nvPr>
+        </p:nvSpPr>
+        <p:spPr/>
+        <p:txBody>
+          <a:bodyPr/>
+          <a:lstStyle/>
+          <a:p>
+            <a:r>
+              <a:rPr lang="hr-HR" dirty="0"/>
+              <a:t>evaluacija</a:t>
+            </a:r>
+          </a:p>
+        </p:txBody>
+      </p:sp>
+      <p:pic>
+        <p:nvPicPr>
+          <p:cNvPr id="5" name="Slika 4">
+            <a:extLst>
+              <a:ext uri="{FF2B5EF4-FFF2-40B4-BE49-F238E27FC236}">
+                <a16:creationId xmlns:a16="http://schemas.microsoft.com/office/drawing/2014/main" id="{DCA35E2E-6744-6B90-C813-6D882E4CB548}"/>
+              </a:ext>
+            </a:extLst>
+          </p:cNvPr>
+          <p:cNvPicPr>
+            <a:picLocks noChangeAspect="1"/>
+          </p:cNvPicPr>
+          <p:nvPr/>
+        </p:nvPicPr>
+        <p:blipFill>
+          <a:blip r:embed="rId2"/>
+          <a:stretch>
+            <a:fillRect/>
+          </a:stretch>
+        </p:blipFill>
+        <p:spPr>
+          <a:xfrm>
+            <a:off x="2468693" y="1429730"/>
+            <a:ext cx="6836671" cy="4843054"/>
+          </a:xfrm>
+          <a:prstGeom prst="rect">
+            <a:avLst/>
+          </a:prstGeom>
+        </p:spPr>
+      </p:pic>
+    </p:spTree>
+    <p:extLst>
+      <p:ext uri="{BB962C8B-B14F-4D97-AF65-F5344CB8AC3E}">
+        <p14:creationId xmlns:p14="http://schemas.microsoft.com/office/powerpoint/2010/main" val="468809291"/>
+      </p:ext>
+    </p:extLst>
+  </p:cSld>
+  <p:clrMapOvr>
+    <a:masterClrMapping/>
+  </p:clrMapOvr>
+  <p:transition spd="slow">
+    <p:push dir="u"/>
+  </p:transition>
+</p:sld>
+</file>
+
+<file path=ppt/slides/slide7.xml><?xml version="1.0" encoding="utf-8"?>
 <p:sld xmlns:a="http://schemas.openxmlformats.org/drawingml/2006/main" xmlns:r="http://schemas.openxmlformats.org/officeDocument/2006/relationships" xmlns:p="http://schemas.openxmlformats.org/presentationml/2006/main">
   <p:cSld>
     <p:spTree>
@@ -22221,10 +22255,10 @@
       </p:sp>
       <p:pic>
         <p:nvPicPr>
-          <p:cNvPr id="4" name="Slika 3">
+          <p:cNvPr id="3" name="Slika 2">
             <a:extLst>
               <a:ext uri="{FF2B5EF4-FFF2-40B4-BE49-F238E27FC236}">
-                <a16:creationId xmlns:a16="http://schemas.microsoft.com/office/drawing/2014/main" id="{E2601B8F-106D-C982-E02B-C0274EB5003D}"/>
+                <a16:creationId xmlns:a16="http://schemas.microsoft.com/office/drawing/2014/main" id="{B7E4974F-A753-3EE9-3998-8480F9D2DF66}"/>
               </a:ext>
             </a:extLst>
           </p:cNvPr>
@@ -22241,8 +22275,8 @@
         </p:blipFill>
         <p:spPr>
           <a:xfrm>
-            <a:off x="2893314" y="2084832"/>
-            <a:ext cx="5981700" cy="4074795"/>
+            <a:off x="3215640" y="2084832"/>
+            <a:ext cx="5760720" cy="3938905"/>
           </a:xfrm>
           <a:prstGeom prst="rect">
             <a:avLst/>
@@ -22265,7 +22299,7 @@
 </p:sld>
 </file>
 
-<file path=ppt/slides/slide7.xml><?xml version="1.0" encoding="utf-8"?>
+<file path=ppt/slides/slide8.xml><?xml version="1.0" encoding="utf-8"?>
 <p:sld xmlns:a="http://schemas.openxmlformats.org/drawingml/2006/main" xmlns:r="http://schemas.openxmlformats.org/officeDocument/2006/relationships" xmlns:p="http://schemas.openxmlformats.org/presentationml/2006/main">
   <p:cSld>
     <p:spTree>
@@ -22318,10 +22352,10 @@
       </p:sp>
       <p:pic>
         <p:nvPicPr>
-          <p:cNvPr id="4" name="Slika 3">
+          <p:cNvPr id="3" name="Slika 2">
             <a:extLst>
               <a:ext uri="{FF2B5EF4-FFF2-40B4-BE49-F238E27FC236}">
-                <a16:creationId xmlns:a16="http://schemas.microsoft.com/office/drawing/2014/main" id="{3E6D1366-E8C8-247C-F4C0-4F1E65148B5F}"/>
+                <a16:creationId xmlns:a16="http://schemas.microsoft.com/office/drawing/2014/main" id="{34CBD2EA-253C-079F-767B-C92077CF504D}"/>
               </a:ext>
             </a:extLst>
           </p:cNvPr>
@@ -22338,8 +22372,8 @@
         </p:blipFill>
         <p:spPr>
           <a:xfrm>
-            <a:off x="2874264" y="2084832"/>
-            <a:ext cx="6019800" cy="3987165"/>
+            <a:off x="3215640" y="2084832"/>
+            <a:ext cx="5760720" cy="3806825"/>
           </a:xfrm>
           <a:prstGeom prst="rect">
             <a:avLst/>
@@ -22362,7 +22396,7 @@
 </p:sld>
 </file>
 
-<file path=ppt/slides/slide8.xml><?xml version="1.0" encoding="utf-8"?>
+<file path=ppt/slides/slide9.xml><?xml version="1.0" encoding="utf-8"?>
 <p:sld xmlns:a="http://schemas.openxmlformats.org/drawingml/2006/main" xmlns:r="http://schemas.openxmlformats.org/officeDocument/2006/relationships" xmlns:p="http://schemas.openxmlformats.org/presentationml/2006/main">
   <p:cSld>
     <p:spTree>
@@ -22408,17 +22442,17 @@
           <a:p>
             <a:r>
               <a:rPr lang="hr-HR" dirty="0"/>
-              <a:t>Rezultati – model 1</a:t>
+              <a:t>Rezultati </a:t>
             </a:r>
           </a:p>
         </p:txBody>
       </p:sp>
       <p:pic>
         <p:nvPicPr>
-          <p:cNvPr id="4" name="Slika 3">
+          <p:cNvPr id="3" name="Slika 2">
             <a:extLst>
               <a:ext uri="{FF2B5EF4-FFF2-40B4-BE49-F238E27FC236}">
-                <a16:creationId xmlns:a16="http://schemas.microsoft.com/office/drawing/2014/main" id="{1DA0749D-9456-AA09-E03F-12C2E42F633E}"/>
+                <a16:creationId xmlns:a16="http://schemas.microsoft.com/office/drawing/2014/main" id="{C049C71E-713D-2224-C5DA-8794C649C55F}"/>
               </a:ext>
             </a:extLst>
           </p:cNvPr>
@@ -22428,7 +22462,7 @@
           <p:nvPr/>
         </p:nvPicPr>
         <p:blipFill>
-          <a:blip r:embed="rId2">
+          <a:blip r:embed="rId2" cstate="print">
             <a:extLst>
               <a:ext uri="{28A0092B-C50C-407E-A947-70E740481C1C}">
                 <a14:useLocalDpi xmlns:a14="http://schemas.microsoft.com/office/drawing/2010/main" val="0"/>
@@ -22441,8 +22475,8 @@
         </p:blipFill>
         <p:spPr>
           <a:xfrm>
-            <a:off x="1520690" y="2165537"/>
-            <a:ext cx="9150619" cy="2526926"/>
+            <a:off x="1726864" y="1594466"/>
+            <a:ext cx="8738272" cy="4840982"/>
           </a:xfrm>
           <a:prstGeom prst="rect">
             <a:avLst/>
@@ -22453,109 +22487,6 @@
     <p:extLst>
       <p:ext uri="{BB962C8B-B14F-4D97-AF65-F5344CB8AC3E}">
         <p14:creationId xmlns:p14="http://schemas.microsoft.com/office/powerpoint/2010/main" val="1519708472"/>
-      </p:ext>
-    </p:extLst>
-  </p:cSld>
-  <p:clrMapOvr>
-    <a:masterClrMapping/>
-  </p:clrMapOvr>
-  <p:transition spd="slow">
-    <p:push dir="u"/>
-  </p:transition>
-</p:sld>
-</file>
-
-<file path=ppt/slides/slide9.xml><?xml version="1.0" encoding="utf-8"?>
-<p:sld xmlns:a="http://schemas.openxmlformats.org/drawingml/2006/main" xmlns:r="http://schemas.openxmlformats.org/officeDocument/2006/relationships" xmlns:p="http://schemas.openxmlformats.org/presentationml/2006/main">
-  <p:cSld>
-    <p:spTree>
-      <p:nvGrpSpPr>
-        <p:cNvPr id="1" name="">
-          <a:extLst>
-            <a:ext uri="{FF2B5EF4-FFF2-40B4-BE49-F238E27FC236}">
-              <a16:creationId xmlns:a16="http://schemas.microsoft.com/office/drawing/2014/main" id="{A71E9D0F-2754-A3FF-C2C9-DF3EBA2E5F2D}"/>
-            </a:ext>
-          </a:extLst>
-        </p:cNvPr>
-        <p:cNvGrpSpPr/>
-        <p:nvPr/>
-      </p:nvGrpSpPr>
-      <p:grpSpPr>
-        <a:xfrm>
-          <a:off x="0" y="0"/>
-          <a:ext cx="0" cy="0"/>
-          <a:chOff x="0" y="0"/>
-          <a:chExt cx="0" cy="0"/>
-        </a:xfrm>
-      </p:grpSpPr>
-      <p:sp>
-        <p:nvSpPr>
-          <p:cNvPr id="2" name="Naslov 1">
-            <a:extLst>
-              <a:ext uri="{FF2B5EF4-FFF2-40B4-BE49-F238E27FC236}">
-                <a16:creationId xmlns:a16="http://schemas.microsoft.com/office/drawing/2014/main" id="{79F1E30A-0CC0-FA5E-E29E-172579CAF825}"/>
-              </a:ext>
-            </a:extLst>
-          </p:cNvPr>
-          <p:cNvSpPr>
-            <a:spLocks noGrp="1"/>
-          </p:cNvSpPr>
-          <p:nvPr>
-            <p:ph type="title"/>
-          </p:nvPr>
-        </p:nvSpPr>
-        <p:spPr/>
-        <p:txBody>
-          <a:bodyPr/>
-          <a:lstStyle/>
-          <a:p>
-            <a:r>
-              <a:rPr lang="hr-HR" dirty="0"/>
-              <a:t>Rezultati – model 2</a:t>
-            </a:r>
-          </a:p>
-        </p:txBody>
-      </p:sp>
-      <p:pic>
-        <p:nvPicPr>
-          <p:cNvPr id="4" name="Slika 3">
-            <a:extLst>
-              <a:ext uri="{FF2B5EF4-FFF2-40B4-BE49-F238E27FC236}">
-                <a16:creationId xmlns:a16="http://schemas.microsoft.com/office/drawing/2014/main" id="{67CF44F6-50B1-EE50-853A-18B6613824A6}"/>
-              </a:ext>
-            </a:extLst>
-          </p:cNvPr>
-          <p:cNvPicPr>
-            <a:picLocks noChangeAspect="1"/>
-          </p:cNvPicPr>
-          <p:nvPr/>
-        </p:nvPicPr>
-        <p:blipFill>
-          <a:blip r:embed="rId2">
-            <a:extLst>
-              <a:ext uri="{28A0092B-C50C-407E-A947-70E740481C1C}">
-                <a14:useLocalDpi xmlns:a14="http://schemas.microsoft.com/office/drawing/2010/main" val="0"/>
-              </a:ext>
-            </a:extLst>
-          </a:blip>
-          <a:stretch>
-            <a:fillRect/>
-          </a:stretch>
-        </p:blipFill>
-        <p:spPr>
-          <a:xfrm>
-            <a:off x="1481176" y="2137130"/>
-            <a:ext cx="9229647" cy="2583740"/>
-          </a:xfrm>
-          <a:prstGeom prst="rect">
-            <a:avLst/>
-          </a:prstGeom>
-        </p:spPr>
-      </p:pic>
-    </p:spTree>
-    <p:extLst>
-      <p:ext uri="{BB962C8B-B14F-4D97-AF65-F5344CB8AC3E}">
-        <p14:creationId xmlns:p14="http://schemas.microsoft.com/office/powerpoint/2010/main" val="151785965"/>
       </p:ext>
     </p:extLst>
   </p:cSld>
@@ -23393,6 +23324,15 @@
 </file>
 
 <file path=customXml/item1.xml><?xml version="1.0" encoding="utf-8"?>
+<?mso-contentType ?>
+<FormTemplates xmlns="http://schemas.microsoft.com/sharepoint/v3/contenttype/forms">
+  <Display>DocumentLibraryForm</Display>
+  <Edit>DocumentLibraryForm</Edit>
+  <New>DocumentLibraryForm</New>
+</FormTemplates>
+</file>
+
+<file path=customXml/item2.xml><?xml version="1.0" encoding="utf-8"?>
 <ct:contentTypeSchema xmlns:ct="http://schemas.microsoft.com/office/2006/metadata/contentType" xmlns:ma="http://schemas.microsoft.com/office/2006/metadata/properties/metaAttributes" ct:_="" ma:_="" ma:contentTypeName="Document" ma:contentTypeID="0x01010079F111ED35F8CC479449609E8A0923A6" ma:contentTypeVersion="11" ma:contentTypeDescription="Create a new document." ma:contentTypeScope="" ma:versionID="9677210f24a1be23c92c90fd886aa0aa">
   <xsd:schema xmlns:xsd="http://www.w3.org/2001/XMLSchema" xmlns:xs="http://www.w3.org/2001/XMLSchema" xmlns:p="http://schemas.microsoft.com/office/2006/metadata/properties" xmlns:ns2="71af3243-3dd4-4a8d-8c0d-dd76da1f02a5" xmlns:ns3="16c05727-aa75-4e4a-9b5f-8a80a1165891" targetNamespace="http://schemas.microsoft.com/office/2006/metadata/properties" ma:root="true" ma:fieldsID="60e05723c5c1908df1a1a4ebf11d344e" ns2:_="" ns3:_="">
     <xsd:import namespace="71af3243-3dd4-4a8d-8c0d-dd76da1f02a5"/>
@@ -23603,15 +23543,6 @@
 </ct:contentTypeSchema>
 </file>
 
-<file path=customXml/item2.xml><?xml version="1.0" encoding="utf-8"?>
-<?mso-contentType ?>
-<FormTemplates xmlns="http://schemas.microsoft.com/sharepoint/v3/contenttype/forms">
-  <Display>DocumentLibraryForm</Display>
-  <Edit>DocumentLibraryForm</Edit>
-  <New>DocumentLibraryForm</New>
-</FormTemplates>
-</file>
-
 <file path=customXml/item3.xml><?xml version="1.0" encoding="utf-8"?>
 <p:properties xmlns:p="http://schemas.microsoft.com/office/2006/metadata/properties" xmlns:xsi="http://www.w3.org/2001/XMLSchema-instance" xmlns:pc="http://schemas.microsoft.com/office/infopath/2007/PartnerControls">
   <documentManagement>
@@ -23621,6 +23552,14 @@
 </file>
 
 <file path=customXml/itemProps1.xml><?xml version="1.0" encoding="utf-8"?>
+<ds:datastoreItem xmlns:ds="http://schemas.openxmlformats.org/officeDocument/2006/customXml" ds:itemID="{4F44C90D-2A62-4985-9618-3460247437B1}">
+  <ds:schemaRefs>
+    <ds:schemaRef ds:uri="http://schemas.microsoft.com/sharepoint/v3/contenttype/forms"/>
+  </ds:schemaRefs>
+</ds:datastoreItem>
+</file>
+
+<file path=customXml/itemProps2.xml><?xml version="1.0" encoding="utf-8"?>
 <ds:datastoreItem xmlns:ds="http://schemas.openxmlformats.org/officeDocument/2006/customXml" ds:itemID="{B61EAB5F-88FC-4FAE-AE3C-037A3C365EB8}">
   <ds:schemaRefs>
     <ds:schemaRef ds:uri="http://schemas.microsoft.com/office/2006/metadata/contentType"/>
@@ -23639,14 +23578,6 @@
 </ds:datastoreItem>
 </file>
 
-<file path=customXml/itemProps2.xml><?xml version="1.0" encoding="utf-8"?>
-<ds:datastoreItem xmlns:ds="http://schemas.openxmlformats.org/officeDocument/2006/customXml" ds:itemID="{4F44C90D-2A62-4985-9618-3460247437B1}">
-  <ds:schemaRefs>
-    <ds:schemaRef ds:uri="http://schemas.microsoft.com/sharepoint/v3/contenttype/forms"/>
-  </ds:schemaRefs>
-</ds:datastoreItem>
-</file>
-
 <file path=customXml/itemProps3.xml><?xml version="1.0" encoding="utf-8"?>
 <ds:datastoreItem xmlns:ds="http://schemas.openxmlformats.org/officeDocument/2006/customXml" ds:itemID="{788A2F88-55C5-4ED1-9541-807C65424763}">
   <ds:schemaRefs>
